--- a/Cau_Truc_Du_Lieu_Do_Thi_Va_Ung_Dung.pptx
+++ b/Cau_Truc_Du_Lieu_Do_Thi_Va_Ung_Dung.pptx
@@ -141,7 +141,7 @@
   <pc:docChgLst>
     <pc:chgData name="HUỲNH CHÍ THẬT" userId="37cebea5-fd79-426d-91b5-caf485bc11ed" providerId="ADAL" clId="{B12AE64E-2EE8-49B6-9887-58FD790D7005}"/>
     <pc:docChg chg="undo redo custSel addSld delSld modSld sldOrd addMainMaster delMainMaster modMainMaster">
-      <pc:chgData name="HUỲNH CHÍ THẬT" userId="37cebea5-fd79-426d-91b5-caf485bc11ed" providerId="ADAL" clId="{B12AE64E-2EE8-49B6-9887-58FD790D7005}" dt="2022-03-28T16:10:39.893" v="10830"/>
+      <pc:chgData name="HUỲNH CHÍ THẬT" userId="37cebea5-fd79-426d-91b5-caf485bc11ed" providerId="ADAL" clId="{B12AE64E-2EE8-49B6-9887-58FD790D7005}" dt="2022-04-09T08:41:44.850" v="10838" actId="20577"/>
       <pc:docMkLst>
         <pc:docMk/>
       </pc:docMkLst>
@@ -3817,12 +3817,20 @@
           <pc:sldMk cId="1721334016" sldId="276"/>
         </pc:sldMkLst>
       </pc:sldChg>
-      <pc:sldChg chg="add modTransition">
-        <pc:chgData name="HUỲNH CHÍ THẬT" userId="37cebea5-fd79-426d-91b5-caf485bc11ed" providerId="ADAL" clId="{B12AE64E-2EE8-49B6-9887-58FD790D7005}" dt="2022-03-28T16:10:39.893" v="10830"/>
+      <pc:sldChg chg="modSp add mod modTransition">
+        <pc:chgData name="HUỲNH CHÍ THẬT" userId="37cebea5-fd79-426d-91b5-caf485bc11ed" providerId="ADAL" clId="{B12AE64E-2EE8-49B6-9887-58FD790D7005}" dt="2022-04-09T08:41:44.850" v="10838" actId="20577"/>
         <pc:sldMkLst>
           <pc:docMk/>
           <pc:sldMk cId="369177700" sldId="277"/>
         </pc:sldMkLst>
+        <pc:spChg chg="mod">
+          <ac:chgData name="HUỲNH CHÍ THẬT" userId="37cebea5-fd79-426d-91b5-caf485bc11ed" providerId="ADAL" clId="{B12AE64E-2EE8-49B6-9887-58FD790D7005}" dt="2022-04-09T08:41:44.850" v="10838" actId="20577"/>
+          <ac:spMkLst>
+            <pc:docMk/>
+            <pc:sldMk cId="369177700" sldId="277"/>
+            <ac:spMk id="3" creationId="{5CCB258E-D78D-46B0-B51B-9F33FFAF21E2}"/>
+          </ac:spMkLst>
+        </pc:spChg>
       </pc:sldChg>
       <pc:sldMasterChg chg="del delSldLayout">
         <pc:chgData name="HUỲNH CHÍ THẬT" userId="37cebea5-fd79-426d-91b5-caf485bc11ed" providerId="ADAL" clId="{B12AE64E-2EE8-49B6-9887-58FD790D7005}" dt="2022-03-28T10:06:34.561" v="167" actId="26606"/>
@@ -4505,7 +4513,7 @@
           <a:p>
             <a:fld id="{72345051-2045-45DA-935E-2E3CA1A69ADC}" type="datetimeFigureOut">
               <a:rPr lang="en-US" smtClean="0"/>
-              <a:t>28-Mar-22</a:t>
+              <a:t>09-Apr-22</a:t>
             </a:fld>
             <a:endParaRPr lang="en-US" dirty="0"/>
           </a:p>
@@ -4575,11 +4583,11 @@
   <p:clrMapOvr>
     <a:masterClrMapping/>
   </p:clrMapOvr>
-  <mc:AlternateContent xmlns:mc="http://schemas.openxmlformats.org/markup-compatibility/2006">
-    <mc:Choice xmlns:p14="http://schemas.microsoft.com/office/powerpoint/2010/main" Requires="p14">
+  <mc:AlternateContent xmlns:mc="http://schemas.openxmlformats.org/markup-compatibility/2006" xmlns:p14="http://schemas.microsoft.com/office/powerpoint/2010/main">
+    <mc:Choice Requires="p14">
       <p:transition spd="slow" p14:dur="2000" advClick="0"/>
     </mc:Choice>
-    <mc:Fallback>
+    <mc:Fallback xmlns="">
       <p:transition spd="slow" advClick="0"/>
     </mc:Fallback>
   </mc:AlternateContent>
@@ -4711,7 +4719,7 @@
           <a:p>
             <a:fld id="{72345051-2045-45DA-935E-2E3CA1A69ADC}" type="datetimeFigureOut">
               <a:rPr lang="en-US" smtClean="0"/>
-              <a:t>28-Mar-22</a:t>
+              <a:t>09-Apr-22</a:t>
             </a:fld>
             <a:endParaRPr lang="en-US"/>
           </a:p>
@@ -4781,11 +4789,11 @@
   <p:clrMapOvr>
     <a:masterClrMapping/>
   </p:clrMapOvr>
-  <mc:AlternateContent xmlns:mc="http://schemas.openxmlformats.org/markup-compatibility/2006">
-    <mc:Choice xmlns:p14="http://schemas.microsoft.com/office/powerpoint/2010/main" Requires="p14">
+  <mc:AlternateContent xmlns:mc="http://schemas.openxmlformats.org/markup-compatibility/2006" xmlns:p14="http://schemas.microsoft.com/office/powerpoint/2010/main">
+    <mc:Choice Requires="p14">
       <p:transition spd="slow" p14:dur="2000" advClick="0"/>
     </mc:Choice>
-    <mc:Fallback>
+    <mc:Fallback xmlns="">
       <p:transition spd="slow" advClick="0"/>
     </mc:Fallback>
   </mc:AlternateContent>
@@ -4927,7 +4935,7 @@
           <a:p>
             <a:fld id="{72345051-2045-45DA-935E-2E3CA1A69ADC}" type="datetimeFigureOut">
               <a:rPr lang="en-US" smtClean="0"/>
-              <a:t>28-Mar-22</a:t>
+              <a:t>09-Apr-22</a:t>
             </a:fld>
             <a:endParaRPr lang="en-US"/>
           </a:p>
@@ -4997,11 +5005,11 @@
   <p:clrMapOvr>
     <a:masterClrMapping/>
   </p:clrMapOvr>
-  <mc:AlternateContent xmlns:mc="http://schemas.openxmlformats.org/markup-compatibility/2006">
-    <mc:Choice xmlns:p14="http://schemas.microsoft.com/office/powerpoint/2010/main" Requires="p14">
+  <mc:AlternateContent xmlns:mc="http://schemas.openxmlformats.org/markup-compatibility/2006" xmlns:p14="http://schemas.microsoft.com/office/powerpoint/2010/main">
+    <mc:Choice Requires="p14">
       <p:transition spd="slow" p14:dur="2000" advClick="0"/>
     </mc:Choice>
-    <mc:Fallback>
+    <mc:Fallback xmlns="">
       <p:transition spd="slow" advClick="0"/>
     </mc:Fallback>
   </mc:AlternateContent>
@@ -5157,7 +5165,7 @@
           <a:p>
             <a:fld id="{72345051-2045-45DA-935E-2E3CA1A69ADC}" type="datetimeFigureOut">
               <a:rPr lang="en-US" smtClean="0"/>
-              <a:t>28-Mar-22</a:t>
+              <a:t>09-Apr-22</a:t>
             </a:fld>
             <a:endParaRPr lang="en-US"/>
           </a:p>
@@ -5858,11 +5866,11 @@
   <p:clrMapOvr>
     <a:masterClrMapping/>
   </p:clrMapOvr>
-  <mc:AlternateContent xmlns:mc="http://schemas.openxmlformats.org/markup-compatibility/2006">
-    <mc:Choice xmlns:p14="http://schemas.microsoft.com/office/powerpoint/2010/main" Requires="p14">
+  <mc:AlternateContent xmlns:mc="http://schemas.openxmlformats.org/markup-compatibility/2006" xmlns:p14="http://schemas.microsoft.com/office/powerpoint/2010/main">
+    <mc:Choice Requires="p14">
       <p:transition spd="slow" p14:dur="2000" advClick="0"/>
     </mc:Choice>
-    <mc:Fallback>
+    <mc:Fallback xmlns="">
       <p:transition spd="slow" advClick="0"/>
     </mc:Fallback>
   </mc:AlternateContent>
@@ -6076,7 +6084,7 @@
           <a:p>
             <a:fld id="{72345051-2045-45DA-935E-2E3CA1A69ADC}" type="datetimeFigureOut">
               <a:rPr lang="en-US" smtClean="0"/>
-              <a:t>28-Mar-22</a:t>
+              <a:t>09-Apr-22</a:t>
             </a:fld>
             <a:endParaRPr lang="en-US"/>
           </a:p>
@@ -6482,11 +6490,11 @@
   <p:clrMapOvr>
     <a:masterClrMapping/>
   </p:clrMapOvr>
-  <mc:AlternateContent xmlns:mc="http://schemas.openxmlformats.org/markup-compatibility/2006">
-    <mc:Choice xmlns:p14="http://schemas.microsoft.com/office/powerpoint/2010/main" Requires="p14">
+  <mc:AlternateContent xmlns:mc="http://schemas.openxmlformats.org/markup-compatibility/2006" xmlns:p14="http://schemas.microsoft.com/office/powerpoint/2010/main">
+    <mc:Choice Requires="p14">
       <p:transition spd="slow" p14:dur="2000" advClick="0"/>
     </mc:Choice>
-    <mc:Fallback>
+    <mc:Fallback xmlns="">
       <p:transition spd="slow" advClick="0"/>
     </mc:Fallback>
   </mc:AlternateContent>
@@ -6687,7 +6695,7 @@
           <a:p>
             <a:fld id="{72345051-2045-45DA-935E-2E3CA1A69ADC}" type="datetimeFigureOut">
               <a:rPr lang="en-US" smtClean="0"/>
-              <a:t>28-Mar-22</a:t>
+              <a:t>09-Apr-22</a:t>
             </a:fld>
             <a:endParaRPr lang="en-US"/>
           </a:p>
@@ -7388,11 +7396,11 @@
   <p:clrMapOvr>
     <a:masterClrMapping/>
   </p:clrMapOvr>
-  <mc:AlternateContent xmlns:mc="http://schemas.openxmlformats.org/markup-compatibility/2006">
-    <mc:Choice xmlns:p14="http://schemas.microsoft.com/office/powerpoint/2010/main" Requires="p14">
+  <mc:AlternateContent xmlns:mc="http://schemas.openxmlformats.org/markup-compatibility/2006" xmlns:p14="http://schemas.microsoft.com/office/powerpoint/2010/main">
+    <mc:Choice Requires="p14">
       <p:transition spd="slow" p14:dur="2000" advClick="0"/>
     </mc:Choice>
-    <mc:Fallback>
+    <mc:Fallback xmlns="">
       <p:transition spd="slow" advClick="0"/>
     </mc:Fallback>
   </mc:AlternateContent>
@@ -7743,7 +7751,7 @@
           <a:p>
             <a:fld id="{72345051-2045-45DA-935E-2E3CA1A69ADC}" type="datetimeFigureOut">
               <a:rPr lang="en-US" smtClean="0"/>
-              <a:t>28-Mar-22</a:t>
+              <a:t>09-Apr-22</a:t>
             </a:fld>
             <a:endParaRPr lang="en-US"/>
           </a:p>
@@ -8444,11 +8452,11 @@
   <p:clrMapOvr>
     <a:masterClrMapping/>
   </p:clrMapOvr>
-  <mc:AlternateContent xmlns:mc="http://schemas.openxmlformats.org/markup-compatibility/2006">
-    <mc:Choice xmlns:p14="http://schemas.microsoft.com/office/powerpoint/2010/main" Requires="p14">
+  <mc:AlternateContent xmlns:mc="http://schemas.openxmlformats.org/markup-compatibility/2006" xmlns:p14="http://schemas.microsoft.com/office/powerpoint/2010/main">
+    <mc:Choice Requires="p14">
       <p:transition spd="slow" p14:dur="2000" advClick="0"/>
     </mc:Choice>
-    <mc:Fallback>
+    <mc:Fallback xmlns="">
       <p:transition spd="slow" advClick="0"/>
     </mc:Fallback>
   </mc:AlternateContent>
@@ -8535,7 +8543,7 @@
           <a:p>
             <a:fld id="{72345051-2045-45DA-935E-2E3CA1A69ADC}" type="datetimeFigureOut">
               <a:rPr lang="en-US" smtClean="0"/>
-              <a:t>28-Mar-22</a:t>
+              <a:t>09-Apr-22</a:t>
             </a:fld>
             <a:endParaRPr lang="en-US"/>
           </a:p>
@@ -8941,11 +8949,11 @@
   <p:clrMapOvr>
     <a:masterClrMapping/>
   </p:clrMapOvr>
-  <mc:AlternateContent xmlns:mc="http://schemas.openxmlformats.org/markup-compatibility/2006">
-    <mc:Choice xmlns:p14="http://schemas.microsoft.com/office/powerpoint/2010/main" Requires="p14">
+  <mc:AlternateContent xmlns:mc="http://schemas.openxmlformats.org/markup-compatibility/2006" xmlns:p14="http://schemas.microsoft.com/office/powerpoint/2010/main">
+    <mc:Choice Requires="p14">
       <p:transition spd="slow" p14:dur="2000" advClick="0"/>
     </mc:Choice>
-    <mc:Fallback>
+    <mc:Fallback xmlns="">
       <p:transition spd="slow" advClick="0"/>
     </mc:Fallback>
   </mc:AlternateContent>
@@ -8992,7 +9000,7 @@
           <a:p>
             <a:fld id="{72345051-2045-45DA-935E-2E3CA1A69ADC}" type="datetimeFigureOut">
               <a:rPr lang="en-US" smtClean="0"/>
-              <a:t>28-Mar-22</a:t>
+              <a:t>09-Apr-22</a:t>
             </a:fld>
             <a:endParaRPr lang="en-US"/>
           </a:p>
@@ -9062,11 +9070,11 @@
   <p:clrMapOvr>
     <a:masterClrMapping/>
   </p:clrMapOvr>
-  <mc:AlternateContent xmlns:mc="http://schemas.openxmlformats.org/markup-compatibility/2006">
-    <mc:Choice xmlns:p14="http://schemas.microsoft.com/office/powerpoint/2010/main" Requires="p14">
+  <mc:AlternateContent xmlns:mc="http://schemas.openxmlformats.org/markup-compatibility/2006" xmlns:p14="http://schemas.microsoft.com/office/powerpoint/2010/main">
+    <mc:Choice Requires="p14">
       <p:transition spd="slow" p14:dur="2000" advClick="0"/>
     </mc:Choice>
-    <mc:Fallback>
+    <mc:Fallback xmlns="">
       <p:transition spd="slow" advClick="0"/>
     </mc:Fallback>
   </mc:AlternateContent>
@@ -9317,7 +9325,7 @@
           <a:p>
             <a:fld id="{72345051-2045-45DA-935E-2E3CA1A69ADC}" type="datetimeFigureOut">
               <a:rPr lang="en-US" smtClean="0"/>
-              <a:t>28-Mar-22</a:t>
+              <a:t>09-Apr-22</a:t>
             </a:fld>
             <a:endParaRPr lang="en-US"/>
           </a:p>
@@ -9719,11 +9727,11 @@
   <p:clrMapOvr>
     <a:masterClrMapping/>
   </p:clrMapOvr>
-  <mc:AlternateContent xmlns:mc="http://schemas.openxmlformats.org/markup-compatibility/2006">
-    <mc:Choice xmlns:p14="http://schemas.microsoft.com/office/powerpoint/2010/main" Requires="p14">
+  <mc:AlternateContent xmlns:mc="http://schemas.openxmlformats.org/markup-compatibility/2006" xmlns:p14="http://schemas.microsoft.com/office/powerpoint/2010/main">
+    <mc:Choice Requires="p14">
       <p:transition spd="slow" p14:dur="2000" advClick="0"/>
     </mc:Choice>
-    <mc:Fallback>
+    <mc:Fallback xmlns="">
       <p:transition spd="slow" advClick="0"/>
     </mc:Fallback>
   </mc:AlternateContent>
@@ -9953,7 +9961,7 @@
           <a:p>
             <a:fld id="{72345051-2045-45DA-935E-2E3CA1A69ADC}" type="datetimeFigureOut">
               <a:rPr lang="en-US" smtClean="0"/>
-              <a:t>28-Mar-22</a:t>
+              <a:t>09-Apr-22</a:t>
             </a:fld>
             <a:endParaRPr lang="en-US"/>
           </a:p>
@@ -10355,11 +10363,11 @@
   <p:clrMapOvr>
     <a:masterClrMapping/>
   </p:clrMapOvr>
-  <mc:AlternateContent xmlns:mc="http://schemas.openxmlformats.org/markup-compatibility/2006">
-    <mc:Choice xmlns:p14="http://schemas.microsoft.com/office/powerpoint/2010/main" Requires="p14">
+  <mc:AlternateContent xmlns:mc="http://schemas.openxmlformats.org/markup-compatibility/2006" xmlns:p14="http://schemas.microsoft.com/office/powerpoint/2010/main">
+    <mc:Choice Requires="p14">
       <p:transition spd="slow" p14:dur="2000" advClick="0"/>
     </mc:Choice>
-    <mc:Fallback>
+    <mc:Fallback xmlns="">
       <p:transition spd="slow" advClick="0"/>
     </mc:Fallback>
   </mc:AlternateContent>
@@ -10530,7 +10538,7 @@
           <a:p>
             <a:fld id="{72345051-2045-45DA-935E-2E3CA1A69ADC}" type="datetimeFigureOut">
               <a:rPr lang="en-US" smtClean="0"/>
-              <a:t>28-Mar-22</a:t>
+              <a:t>09-Apr-22</a:t>
             </a:fld>
             <a:endParaRPr lang="en-US" dirty="0"/>
           </a:p>
@@ -10647,11 +10655,11 @@
     <p:sldLayoutId id="2147483665" r:id="rId10"/>
     <p:sldLayoutId id="2147483667" r:id="rId11"/>
   </p:sldLayoutIdLst>
-  <mc:AlternateContent xmlns:mc="http://schemas.openxmlformats.org/markup-compatibility/2006">
-    <mc:Choice xmlns:p14="http://schemas.microsoft.com/office/powerpoint/2010/main" Requires="p14">
+  <mc:AlternateContent xmlns:mc="http://schemas.openxmlformats.org/markup-compatibility/2006" xmlns:p14="http://schemas.microsoft.com/office/powerpoint/2010/main">
+    <mc:Choice Requires="p14">
       <p:transition spd="slow" p14:dur="2000" advClick="0"/>
     </mc:Choice>
-    <mc:Fallback>
+    <mc:Fallback xmlns="">
       <p:transition spd="slow" advClick="0"/>
     </mc:Fallback>
   </mc:AlternateContent>
@@ -12028,11 +12036,11 @@
   <p:clrMapOvr>
     <a:overrideClrMapping bg1="dk1" tx1="lt1" bg2="dk2" tx2="lt2" accent1="accent1" accent2="accent2" accent3="accent3" accent4="accent4" accent5="accent5" accent6="accent6" hlink="hlink" folHlink="folHlink"/>
   </p:clrMapOvr>
-  <mc:AlternateContent xmlns:mc="http://schemas.openxmlformats.org/markup-compatibility/2006">
-    <mc:Choice xmlns:p14="http://schemas.microsoft.com/office/powerpoint/2010/main" Requires="p14">
+  <mc:AlternateContent xmlns:mc="http://schemas.openxmlformats.org/markup-compatibility/2006" xmlns:p14="http://schemas.microsoft.com/office/powerpoint/2010/main">
+    <mc:Choice Requires="p14">
       <p:transition spd="slow" p14:dur="2000" advClick="0"/>
     </mc:Choice>
-    <mc:Fallback>
+    <mc:Fallback xmlns="">
       <p:transition spd="slow" advClick="0"/>
     </mc:Fallback>
   </mc:AlternateContent>
@@ -14061,11 +14069,11 @@
   <p:clrMapOvr>
     <a:masterClrMapping/>
   </p:clrMapOvr>
-  <mc:AlternateContent xmlns:mc="http://schemas.openxmlformats.org/markup-compatibility/2006">
-    <mc:Choice xmlns:p14="http://schemas.microsoft.com/office/powerpoint/2010/main" Requires="p14">
+  <mc:AlternateContent xmlns:mc="http://schemas.openxmlformats.org/markup-compatibility/2006" xmlns:p14="http://schemas.microsoft.com/office/powerpoint/2010/main">
+    <mc:Choice Requires="p14">
       <p:transition spd="slow" p14:dur="2000" advClick="0"/>
     </mc:Choice>
-    <mc:Fallback>
+    <mc:Fallback xmlns="">
       <p:transition spd="slow" advClick="0"/>
     </mc:Fallback>
   </mc:AlternateContent>
@@ -17049,11 +17057,11 @@
   <p:clrMapOvr>
     <a:masterClrMapping/>
   </p:clrMapOvr>
-  <mc:AlternateContent xmlns:mc="http://schemas.openxmlformats.org/markup-compatibility/2006">
-    <mc:Choice xmlns:p14="http://schemas.microsoft.com/office/powerpoint/2010/main" Requires="p14">
+  <mc:AlternateContent xmlns:mc="http://schemas.openxmlformats.org/markup-compatibility/2006" xmlns:p14="http://schemas.microsoft.com/office/powerpoint/2010/main">
+    <mc:Choice Requires="p14">
       <p:transition spd="slow" p14:dur="2000" advClick="0"/>
     </mc:Choice>
-    <mc:Fallback>
+    <mc:Fallback xmlns="">
       <p:transition spd="slow" advClick="0"/>
     </mc:Fallback>
   </mc:AlternateContent>
@@ -18274,11 +18282,11 @@
   <p:clrMapOvr>
     <a:masterClrMapping/>
   </p:clrMapOvr>
-  <mc:AlternateContent xmlns:mc="http://schemas.openxmlformats.org/markup-compatibility/2006">
-    <mc:Choice xmlns:p14="http://schemas.microsoft.com/office/powerpoint/2010/main" Requires="p14">
+  <mc:AlternateContent xmlns:mc="http://schemas.openxmlformats.org/markup-compatibility/2006" xmlns:p14="http://schemas.microsoft.com/office/powerpoint/2010/main">
+    <mc:Choice Requires="p14">
       <p:transition spd="slow" p14:dur="2000" advClick="0"/>
     </mc:Choice>
-    <mc:Fallback>
+    <mc:Fallback xmlns="">
       <p:transition spd="slow" advClick="0"/>
     </mc:Fallback>
   </mc:AlternateContent>
@@ -18857,11 +18865,11 @@
   <p:clrMapOvr>
     <a:masterClrMapping/>
   </p:clrMapOvr>
-  <mc:AlternateContent xmlns:mc="http://schemas.openxmlformats.org/markup-compatibility/2006">
-    <mc:Choice xmlns:p14="http://schemas.microsoft.com/office/powerpoint/2010/main" Requires="p14">
+  <mc:AlternateContent xmlns:mc="http://schemas.openxmlformats.org/markup-compatibility/2006" xmlns:p14="http://schemas.microsoft.com/office/powerpoint/2010/main">
+    <mc:Choice Requires="p14">
       <p:transition spd="slow" p14:dur="2000" advClick="0"/>
     </mc:Choice>
-    <mc:Fallback>
+    <mc:Fallback xmlns="">
       <p:transition spd="slow" advClick="0"/>
     </mc:Fallback>
   </mc:AlternateContent>
@@ -23204,11 +23212,23 @@
             </a:r>
             <a:r>
               <a:rPr lang="en-US" b="1" dirty="0"/>
-              <a:t> tang </a:t>
+              <a:t> </a:t>
+            </a:r>
+            <a:r>
+              <a:rPr lang="en-US" b="1" dirty="0" err="1"/>
+              <a:t>tăng</a:t>
+            </a:r>
+            <a:r>
+              <a:rPr lang="en-US" b="1" dirty="0"/>
+              <a:t> </a:t>
             </a:r>
             <a:r>
               <a:rPr lang="en-US" b="1" dirty="0" err="1"/>
               <a:t>dần</a:t>
+            </a:r>
+            <a:r>
+              <a:rPr lang="en-US" b="1"/>
+              <a:t>.</a:t>
             </a:r>
             <a:endParaRPr lang="en-US" b="1" dirty="0"/>
           </a:p>
@@ -23733,7 +23753,7 @@
             </a:r>
             <a:r>
               <a:rPr lang="en-US" sz="2400" b="1" dirty="0"/>
-              <a:t> T</a:t>
+              <a:t> T.</a:t>
             </a:r>
           </a:p>
         </p:txBody>
@@ -23748,11 +23768,11 @@
   <p:clrMapOvr>
     <a:masterClrMapping/>
   </p:clrMapOvr>
-  <mc:AlternateContent xmlns:mc="http://schemas.openxmlformats.org/markup-compatibility/2006">
-    <mc:Choice xmlns:p14="http://schemas.microsoft.com/office/powerpoint/2010/main" Requires="p14">
+  <mc:AlternateContent xmlns:mc="http://schemas.openxmlformats.org/markup-compatibility/2006" xmlns:p14="http://schemas.microsoft.com/office/powerpoint/2010/main">
+    <mc:Choice Requires="p14">
       <p:transition spd="slow" p14:dur="2000" advClick="0"/>
     </mc:Choice>
-    <mc:Fallback>
+    <mc:Fallback xmlns="">
       <p:transition spd="slow" advClick="0"/>
     </mc:Fallback>
   </mc:AlternateContent>
@@ -25857,11 +25877,11 @@
   <p:clrMapOvr>
     <a:masterClrMapping/>
   </p:clrMapOvr>
-  <mc:AlternateContent xmlns:mc="http://schemas.openxmlformats.org/markup-compatibility/2006">
-    <mc:Choice xmlns:p14="http://schemas.microsoft.com/office/powerpoint/2010/main" Requires="p14">
+  <mc:AlternateContent xmlns:mc="http://schemas.openxmlformats.org/markup-compatibility/2006" xmlns:p14="http://schemas.microsoft.com/office/powerpoint/2010/main">
+    <mc:Choice Requires="p14">
       <p:transition spd="slow" p14:dur="2000" advClick="0" advTm="1000"/>
     </mc:Choice>
-    <mc:Fallback>
+    <mc:Fallback xmlns="">
       <p:transition spd="slow" advClick="0" advTm="1000"/>
     </mc:Fallback>
   </mc:AlternateContent>
@@ -30482,11 +30502,11 @@
   <p:clrMapOvr>
     <a:masterClrMapping/>
   </p:clrMapOvr>
-  <mc:AlternateContent xmlns:mc="http://schemas.openxmlformats.org/markup-compatibility/2006">
-    <mc:Choice xmlns:p14="http://schemas.microsoft.com/office/powerpoint/2010/main" Requires="p14">
+  <mc:AlternateContent xmlns:mc="http://schemas.openxmlformats.org/markup-compatibility/2006" xmlns:p14="http://schemas.microsoft.com/office/powerpoint/2010/main">
+    <mc:Choice Requires="p14">
       <p:transition spd="slow" p14:dur="2000" advClick="0" advTm="1000"/>
     </mc:Choice>
-    <mc:Fallback>
+    <mc:Fallback xmlns="">
       <p:transition spd="slow" advClick="0" advTm="1000"/>
     </mc:Fallback>
   </mc:AlternateContent>
@@ -34685,11 +34705,11 @@
   <p:clrMapOvr>
     <a:masterClrMapping/>
   </p:clrMapOvr>
-  <mc:AlternateContent xmlns:mc="http://schemas.openxmlformats.org/markup-compatibility/2006">
-    <mc:Choice xmlns:p14="http://schemas.microsoft.com/office/powerpoint/2010/main" Requires="p14">
+  <mc:AlternateContent xmlns:mc="http://schemas.openxmlformats.org/markup-compatibility/2006" xmlns:p14="http://schemas.microsoft.com/office/powerpoint/2010/main">
+    <mc:Choice Requires="p14">
       <p:transition spd="slow" p14:dur="2000" advClick="0"/>
     </mc:Choice>
-    <mc:Fallback>
+    <mc:Fallback xmlns="">
       <p:transition spd="slow" advClick="0"/>
     </mc:Fallback>
   </mc:AlternateContent>
@@ -35684,11 +35704,11 @@
   <p:clrMapOvr>
     <a:masterClrMapping/>
   </p:clrMapOvr>
-  <mc:AlternateContent xmlns:mc="http://schemas.openxmlformats.org/markup-compatibility/2006">
-    <mc:Choice xmlns:p14="http://schemas.microsoft.com/office/powerpoint/2010/main" Requires="p14">
+  <mc:AlternateContent xmlns:mc="http://schemas.openxmlformats.org/markup-compatibility/2006" xmlns:p14="http://schemas.microsoft.com/office/powerpoint/2010/main">
+    <mc:Choice Requires="p14">
       <p:transition spd="slow" p14:dur="2000" advClick="0"/>
     </mc:Choice>
-    <mc:Fallback>
+    <mc:Fallback xmlns="">
       <p:transition spd="slow" advClick="0"/>
     </mc:Fallback>
   </mc:AlternateContent>
@@ -36837,11 +36857,11 @@
   <p:clrMapOvr>
     <a:masterClrMapping/>
   </p:clrMapOvr>
-  <mc:AlternateContent xmlns:mc="http://schemas.openxmlformats.org/markup-compatibility/2006">
-    <mc:Choice xmlns:p14="http://schemas.microsoft.com/office/powerpoint/2010/main" Requires="p14">
+  <mc:AlternateContent xmlns:mc="http://schemas.openxmlformats.org/markup-compatibility/2006" xmlns:p14="http://schemas.microsoft.com/office/powerpoint/2010/main">
+    <mc:Choice Requires="p14">
       <p:transition spd="slow" p14:dur="2000" advClick="0"/>
     </mc:Choice>
-    <mc:Fallback>
+    <mc:Fallback xmlns="">
       <p:transition spd="slow" advClick="0"/>
     </mc:Fallback>
   </mc:AlternateContent>
@@ -38303,11 +38323,11 @@
   <p:clrMapOvr>
     <a:masterClrMapping/>
   </p:clrMapOvr>
-  <mc:AlternateContent xmlns:mc="http://schemas.openxmlformats.org/markup-compatibility/2006">
-    <mc:Choice xmlns:p14="http://schemas.microsoft.com/office/powerpoint/2010/main" Requires="p14">
+  <mc:AlternateContent xmlns:mc="http://schemas.openxmlformats.org/markup-compatibility/2006" xmlns:p14="http://schemas.microsoft.com/office/powerpoint/2010/main">
+    <mc:Choice Requires="p14">
       <p:transition spd="slow" p14:dur="2000" advClick="0"/>
     </mc:Choice>
-    <mc:Fallback>
+    <mc:Fallback xmlns="">
       <p:transition spd="slow" advClick="0"/>
     </mc:Fallback>
   </mc:AlternateContent>
@@ -38710,11 +38730,11 @@
   <p:clrMapOvr>
     <a:masterClrMapping/>
   </p:clrMapOvr>
-  <mc:AlternateContent xmlns:mc="http://schemas.openxmlformats.org/markup-compatibility/2006">
-    <mc:Choice xmlns:p14="http://schemas.microsoft.com/office/powerpoint/2010/main" Requires="p14">
+  <mc:AlternateContent xmlns:mc="http://schemas.openxmlformats.org/markup-compatibility/2006" xmlns:p14="http://schemas.microsoft.com/office/powerpoint/2010/main">
+    <mc:Choice Requires="p14">
       <p:transition spd="slow" p14:dur="2000" advClick="0"/>
     </mc:Choice>
-    <mc:Fallback>
+    <mc:Fallback xmlns="">
       <p:transition spd="slow" advClick="0"/>
     </mc:Fallback>
   </mc:AlternateContent>
@@ -39001,11 +39021,11 @@
   <p:clrMapOvr>
     <a:masterClrMapping/>
   </p:clrMapOvr>
-  <mc:AlternateContent xmlns:mc="http://schemas.openxmlformats.org/markup-compatibility/2006">
-    <mc:Choice xmlns:p14="http://schemas.microsoft.com/office/powerpoint/2010/main" Requires="p14">
+  <mc:AlternateContent xmlns:mc="http://schemas.openxmlformats.org/markup-compatibility/2006" xmlns:p14="http://schemas.microsoft.com/office/powerpoint/2010/main">
+    <mc:Choice Requires="p14">
       <p:transition spd="slow" p14:dur="2000" advClick="0"/>
     </mc:Choice>
-    <mc:Fallback>
+    <mc:Fallback xmlns="">
       <p:transition spd="slow" advClick="0"/>
     </mc:Fallback>
   </mc:AlternateContent>
@@ -39828,11 +39848,11 @@
   <p:clrMapOvr>
     <a:masterClrMapping/>
   </p:clrMapOvr>
-  <mc:AlternateContent xmlns:mc="http://schemas.openxmlformats.org/markup-compatibility/2006">
-    <mc:Choice xmlns:p14="http://schemas.microsoft.com/office/powerpoint/2010/main" Requires="p14">
+  <mc:AlternateContent xmlns:mc="http://schemas.openxmlformats.org/markup-compatibility/2006" xmlns:p14="http://schemas.microsoft.com/office/powerpoint/2010/main">
+    <mc:Choice Requires="p14">
       <p:transition spd="slow" p14:dur="2000" advClick="0"/>
     </mc:Choice>
-    <mc:Fallback>
+    <mc:Fallback xmlns="">
       <p:transition spd="slow" advClick="0"/>
     </mc:Fallback>
   </mc:AlternateContent>
@@ -40716,11 +40736,11 @@
   <p:clrMapOvr>
     <a:masterClrMapping/>
   </p:clrMapOvr>
-  <mc:AlternateContent xmlns:mc="http://schemas.openxmlformats.org/markup-compatibility/2006">
-    <mc:Choice xmlns:p14="http://schemas.microsoft.com/office/powerpoint/2010/main" Requires="p14">
+  <mc:AlternateContent xmlns:mc="http://schemas.openxmlformats.org/markup-compatibility/2006" xmlns:p14="http://schemas.microsoft.com/office/powerpoint/2010/main">
+    <mc:Choice Requires="p14">
       <p:transition spd="slow" p14:dur="2000" advClick="0"/>
     </mc:Choice>
-    <mc:Fallback>
+    <mc:Fallback xmlns="">
       <p:transition spd="slow" advClick="0"/>
     </mc:Fallback>
   </mc:AlternateContent>
